--- a/08-seq2seq/embeddings.pptx
+++ b/08-seq2seq/embeddings.pptx
@@ -3829,7 +3829,7 @@
           <a:p>
             <a:r>
               <a:rPr lang="en-DE" dirty="0"/>
-              <a:t>FastText</a:t>
+              <a:t>FastText (2016)</a:t>
             </a:r>
           </a:p>
         </p:txBody>
@@ -4186,7 +4186,7 @@
               <a:t>https://pytorch.org/docs/stable/nn.html#embedding</a:t>
             </a:r>
             <a:r>
-              <a:rPr lang="en-GB"/>
+              <a:rPr lang="en-GB" dirty="0"/>
               <a:t>)</a:t>
             </a:r>
             <a:endParaRPr lang="en-DE" dirty="0"/>
